--- a/Lesson 1 Intro and Turtle Graphics/Python Turtles.pptx
+++ b/Lesson 1 Intro and Turtle Graphics/Python Turtles.pptx
@@ -298,7 +298,7 @@
           <a:p>
             <a:fld id="{08042335-C795-4482-AF91-793F82D47EC3}" type="datetimeFigureOut">
               <a:rPr lang="en-SG" smtClean="0"/>
-              <a:t>31/12/2016</a:t>
+              <a:t>1/1/2017</a:t>
             </a:fld>
             <a:endParaRPr lang="en-SG"/>
           </a:p>
@@ -468,7 +468,7 @@
           <a:p>
             <a:fld id="{08042335-C795-4482-AF91-793F82D47EC3}" type="datetimeFigureOut">
               <a:rPr lang="en-SG" smtClean="0"/>
-              <a:t>31/12/2016</a:t>
+              <a:t>1/1/2017</a:t>
             </a:fld>
             <a:endParaRPr lang="en-SG"/>
           </a:p>
@@ -648,7 +648,7 @@
           <a:p>
             <a:fld id="{08042335-C795-4482-AF91-793F82D47EC3}" type="datetimeFigureOut">
               <a:rPr lang="en-SG" smtClean="0"/>
-              <a:t>31/12/2016</a:t>
+              <a:t>1/1/2017</a:t>
             </a:fld>
             <a:endParaRPr lang="en-SG"/>
           </a:p>
@@ -818,7 +818,7 @@
           <a:p>
             <a:fld id="{08042335-C795-4482-AF91-793F82D47EC3}" type="datetimeFigureOut">
               <a:rPr lang="en-SG" smtClean="0"/>
-              <a:t>31/12/2016</a:t>
+              <a:t>1/1/2017</a:t>
             </a:fld>
             <a:endParaRPr lang="en-SG"/>
           </a:p>
@@ -1064,7 +1064,7 @@
           <a:p>
             <a:fld id="{08042335-C795-4482-AF91-793F82D47EC3}" type="datetimeFigureOut">
               <a:rPr lang="en-SG" smtClean="0"/>
-              <a:t>31/12/2016</a:t>
+              <a:t>1/1/2017</a:t>
             </a:fld>
             <a:endParaRPr lang="en-SG"/>
           </a:p>
@@ -1352,7 +1352,7 @@
           <a:p>
             <a:fld id="{08042335-C795-4482-AF91-793F82D47EC3}" type="datetimeFigureOut">
               <a:rPr lang="en-SG" smtClean="0"/>
-              <a:t>31/12/2016</a:t>
+              <a:t>1/1/2017</a:t>
             </a:fld>
             <a:endParaRPr lang="en-SG"/>
           </a:p>
@@ -1774,7 +1774,7 @@
           <a:p>
             <a:fld id="{08042335-C795-4482-AF91-793F82D47EC3}" type="datetimeFigureOut">
               <a:rPr lang="en-SG" smtClean="0"/>
-              <a:t>31/12/2016</a:t>
+              <a:t>1/1/2017</a:t>
             </a:fld>
             <a:endParaRPr lang="en-SG"/>
           </a:p>
@@ -1892,7 +1892,7 @@
           <a:p>
             <a:fld id="{08042335-C795-4482-AF91-793F82D47EC3}" type="datetimeFigureOut">
               <a:rPr lang="en-SG" smtClean="0"/>
-              <a:t>31/12/2016</a:t>
+              <a:t>1/1/2017</a:t>
             </a:fld>
             <a:endParaRPr lang="en-SG"/>
           </a:p>
@@ -1987,7 +1987,7 @@
           <a:p>
             <a:fld id="{08042335-C795-4482-AF91-793F82D47EC3}" type="datetimeFigureOut">
               <a:rPr lang="en-SG" smtClean="0"/>
-              <a:t>31/12/2016</a:t>
+              <a:t>1/1/2017</a:t>
             </a:fld>
             <a:endParaRPr lang="en-SG"/>
           </a:p>
@@ -2264,7 +2264,7 @@
           <a:p>
             <a:fld id="{08042335-C795-4482-AF91-793F82D47EC3}" type="datetimeFigureOut">
               <a:rPr lang="en-SG" smtClean="0"/>
-              <a:t>31/12/2016</a:t>
+              <a:t>1/1/2017</a:t>
             </a:fld>
             <a:endParaRPr lang="en-SG"/>
           </a:p>
@@ -2517,7 +2517,7 @@
           <a:p>
             <a:fld id="{08042335-C795-4482-AF91-793F82D47EC3}" type="datetimeFigureOut">
               <a:rPr lang="en-SG" smtClean="0"/>
-              <a:t>31/12/2016</a:t>
+              <a:t>1/1/2017</a:t>
             </a:fld>
             <a:endParaRPr lang="en-SG"/>
           </a:p>
@@ -2730,7 +2730,7 @@
           <a:p>
             <a:fld id="{08042335-C795-4482-AF91-793F82D47EC3}" type="datetimeFigureOut">
               <a:rPr lang="en-SG" smtClean="0"/>
-              <a:t>31/12/2016</a:t>
+              <a:t>1/1/2017</a:t>
             </a:fld>
             <a:endParaRPr lang="en-SG"/>
           </a:p>
@@ -3590,6 +3590,41 @@
           </a:xfrm>
         </p:spPr>
       </p:pic>
+      <p:sp>
+        <p:nvSpPr>
+          <p:cNvPr id="3" name="TextBox 2"/>
+          <p:cNvSpPr txBox="1"/>
+          <p:nvPr/>
+        </p:nvSpPr>
+        <p:spPr>
+          <a:xfrm>
+            <a:off x="5868144" y="1196752"/>
+            <a:ext cx="1816908" cy="369332"/>
+          </a:xfrm>
+          <a:prstGeom prst="rect">
+            <a:avLst/>
+          </a:prstGeom>
+          <a:noFill/>
+          <a:ln>
+            <a:solidFill>
+              <a:schemeClr val="accent1"/>
+            </a:solidFill>
+          </a:ln>
+        </p:spPr>
+        <p:txBody>
+          <a:bodyPr wrap="none" rtlCol="0">
+            <a:spAutoFit/>
+          </a:bodyPr>
+          <a:lstStyle/>
+          <a:p>
+            <a:r>
+              <a:rPr lang="en-SG" b="1" dirty="0" smtClean="0"/>
+              <a:t>sample_turtle.py</a:t>
+            </a:r>
+            <a:endParaRPr lang="en-SG" b="1" dirty="0"/>
+          </a:p>
+        </p:txBody>
+      </p:sp>
     </p:spTree>
     <p:extLst>
       <p:ext uri="{BB962C8B-B14F-4D97-AF65-F5344CB8AC3E}">
@@ -3707,7 +3742,7 @@
         </p:blipFill>
         <p:spPr bwMode="auto">
           <a:xfrm>
-            <a:off x="107504" y="1378603"/>
+            <a:off x="107504" y="1339027"/>
             <a:ext cx="2272051" cy="2554453"/>
           </a:xfrm>
           <a:prstGeom prst="rect">
@@ -3741,8 +3776,8 @@
         </p:nvSpPr>
         <p:spPr>
           <a:xfrm>
-            <a:off x="248012" y="692696"/>
-            <a:ext cx="1934632" cy="646331"/>
+            <a:off x="107502" y="610816"/>
+            <a:ext cx="3096345" cy="338554"/>
           </a:xfrm>
           <a:prstGeom prst="rect">
             <a:avLst/>
@@ -3750,22 +3785,20 @@
           <a:noFill/>
         </p:spPr>
         <p:txBody>
-          <a:bodyPr wrap="none" rtlCol="0">
+          <a:bodyPr wrap="square" rtlCol="0">
             <a:spAutoFit/>
           </a:bodyPr>
           <a:lstStyle/>
           <a:p>
             <a:r>
-              <a:rPr lang="en-SG" b="1" dirty="0" smtClean="0"/>
+              <a:rPr lang="en-SG" sz="1600" b="1" dirty="0" smtClean="0"/>
               <a:t>Simple sequential </a:t>
             </a:r>
-          </a:p>
-          <a:p>
-            <a:r>
-              <a:rPr lang="en-SG" b="1" dirty="0" smtClean="0"/>
-              <a:t>statements</a:t>
-            </a:r>
-            <a:endParaRPr lang="en-SG" b="1" dirty="0"/>
+            <a:r>
+              <a:rPr lang="en-SG" sz="1600" b="1" dirty="0" err="1" smtClean="0"/>
+              <a:t>stmts</a:t>
+            </a:r>
+            <a:endParaRPr lang="en-SG" sz="1600" b="1" dirty="0"/>
           </a:p>
         </p:txBody>
       </p:sp>
@@ -3777,8 +3810,8 @@
         </p:nvSpPr>
         <p:spPr>
           <a:xfrm>
-            <a:off x="2411760" y="699739"/>
-            <a:ext cx="2745390" cy="369332"/>
+            <a:off x="2411760" y="610816"/>
+            <a:ext cx="2745390" cy="338554"/>
           </a:xfrm>
           <a:prstGeom prst="rect">
             <a:avLst/>
@@ -3789,13 +3822,20 @@
           <a:bodyPr wrap="square" rtlCol="0">
             <a:spAutoFit/>
           </a:bodyPr>
-          <a:lstStyle/>
-          <a:p>
-            <a:r>
-              <a:rPr lang="en-SG" b="1" dirty="0" smtClean="0"/>
+          <a:lstStyle>
+            <a:defPPr>
+              <a:defRPr lang="en-US"/>
+            </a:defPPr>
+            <a:lvl1pPr>
+              <a:defRPr sz="1600" b="1"/>
+            </a:lvl1pPr>
+          </a:lstStyle>
+          <a:p>
+            <a:r>
+              <a:rPr lang="en-SG" dirty="0"/>
               <a:t>Defining square function</a:t>
             </a:r>
-            <a:endParaRPr lang="en-SG" b="1" dirty="0"/>
+            <a:endParaRPr lang="en-SG" dirty="0"/>
           </a:p>
         </p:txBody>
       </p:sp>
@@ -3822,7 +3862,7 @@
         </p:blipFill>
         <p:spPr bwMode="auto">
           <a:xfrm>
-            <a:off x="2483768" y="1340768"/>
+            <a:off x="2483768" y="1339027"/>
             <a:ext cx="3261266" cy="5453264"/>
           </a:xfrm>
           <a:prstGeom prst="rect">
@@ -3905,8 +3945,8 @@
         </p:nvSpPr>
         <p:spPr>
           <a:xfrm>
-            <a:off x="5910671" y="764704"/>
-            <a:ext cx="2745390" cy="369332"/>
+            <a:off x="5910671" y="610816"/>
+            <a:ext cx="2745390" cy="338554"/>
           </a:xfrm>
           <a:prstGeom prst="rect">
             <a:avLst/>
@@ -3917,11 +3957,120 @@
           <a:bodyPr wrap="square" rtlCol="0">
             <a:spAutoFit/>
           </a:bodyPr>
+          <a:lstStyle>
+            <a:defPPr>
+              <a:defRPr lang="en-US"/>
+            </a:defPPr>
+            <a:lvl1pPr>
+              <a:defRPr sz="1600" b="1"/>
+            </a:lvl1pPr>
+          </a:lstStyle>
+          <a:p>
+            <a:r>
+              <a:rPr lang="en-SG" dirty="0"/>
+              <a:t>Using for loop </a:t>
+            </a:r>
+            <a:endParaRPr lang="en-SG" dirty="0"/>
+          </a:p>
+        </p:txBody>
+      </p:sp>
+      <p:sp>
+        <p:nvSpPr>
+          <p:cNvPr id="3" name="Rectangle 2"/>
+          <p:cNvSpPr/>
+          <p:nvPr/>
+        </p:nvSpPr>
+        <p:spPr>
+          <a:xfrm>
+            <a:off x="107504" y="969695"/>
+            <a:ext cx="1119858" cy="369332"/>
+          </a:xfrm>
+          <a:prstGeom prst="rect">
+            <a:avLst/>
+          </a:prstGeom>
+          <a:ln>
+            <a:solidFill>
+              <a:schemeClr val="accent1"/>
+            </a:solidFill>
+          </a:ln>
+        </p:spPr>
+        <p:txBody>
+          <a:bodyPr wrap="none">
+            <a:spAutoFit/>
+          </a:bodyPr>
           <a:lstStyle/>
           <a:p>
             <a:r>
               <a:rPr lang="en-SG" b="1" dirty="0" smtClean="0"/>
-              <a:t>Using for loop </a:t>
+              <a:t>square.py</a:t>
+            </a:r>
+            <a:endParaRPr lang="en-SG" b="1" dirty="0"/>
+          </a:p>
+        </p:txBody>
+      </p:sp>
+      <p:sp>
+        <p:nvSpPr>
+          <p:cNvPr id="12" name="Rectangle 11"/>
+          <p:cNvSpPr/>
+          <p:nvPr/>
+        </p:nvSpPr>
+        <p:spPr>
+          <a:xfrm>
+            <a:off x="2483768" y="969695"/>
+            <a:ext cx="1825436" cy="369332"/>
+          </a:xfrm>
+          <a:prstGeom prst="rect">
+            <a:avLst/>
+          </a:prstGeom>
+          <a:ln>
+            <a:solidFill>
+              <a:schemeClr val="accent1"/>
+            </a:solidFill>
+          </a:ln>
+        </p:spPr>
+        <p:txBody>
+          <a:bodyPr wrap="none">
+            <a:spAutoFit/>
+          </a:bodyPr>
+          <a:lstStyle/>
+          <a:p>
+            <a:r>
+              <a:rPr lang="en-SG" b="1" dirty="0" smtClean="0"/>
+              <a:t>square_better.py</a:t>
+            </a:r>
+            <a:endParaRPr lang="en-SG" b="1" dirty="0"/>
+          </a:p>
+        </p:txBody>
+      </p:sp>
+      <p:sp>
+        <p:nvSpPr>
+          <p:cNvPr id="13" name="Rectangle 12"/>
+          <p:cNvSpPr/>
+          <p:nvPr/>
+        </p:nvSpPr>
+        <p:spPr>
+          <a:xfrm>
+            <a:off x="5910671" y="969695"/>
+            <a:ext cx="2002408" cy="369332"/>
+          </a:xfrm>
+          <a:prstGeom prst="rect">
+            <a:avLst/>
+          </a:prstGeom>
+          <a:ln>
+            <a:solidFill>
+              <a:schemeClr val="accent1"/>
+            </a:solidFill>
+          </a:ln>
+        </p:spPr>
+        <p:txBody>
+          <a:bodyPr wrap="none">
+            <a:spAutoFit/>
+          </a:bodyPr>
+          <a:lstStyle/>
+          <a:p>
+            <a:r>
+              <a:rPr lang="en-SG" b="1" dirty="0" smtClean="0"/>
+              <a:t>square_betterer.py</a:t>
             </a:r>
             <a:endParaRPr lang="en-SG" b="1" dirty="0"/>
           </a:p>

--- a/Lesson 1 Intro and Turtle Graphics/Python Turtles.pptx
+++ b/Lesson 1 Intro and Turtle Graphics/Python Turtles.pptx
@@ -16,6 +16,9 @@
     <p:sldId id="264" r:id="rId10"/>
     <p:sldId id="265" r:id="rId11"/>
     <p:sldId id="266" r:id="rId12"/>
+    <p:sldId id="269" r:id="rId13"/>
+    <p:sldId id="267" r:id="rId14"/>
+    <p:sldId id="268" r:id="rId15"/>
   </p:sldIdLst>
   <p:sldSz cx="9144000" cy="6858000" type="screen4x3"/>
   <p:notesSz cx="6858000" cy="9144000"/>
@@ -3367,6 +3370,394 @@
       </p:par>
     </p:tnLst>
   </p:timing>
+</p:sld>
+</file>
+
+<file path=ppt/slides/slide12.xml><?xml version="1.0" encoding="utf-8"?>
+<p:sld xmlns:a="http://schemas.openxmlformats.org/drawingml/2006/main" xmlns:r="http://schemas.openxmlformats.org/officeDocument/2006/relationships" xmlns:p="http://schemas.openxmlformats.org/presentationml/2006/main">
+  <p:cSld>
+    <p:spTree>
+      <p:nvGrpSpPr>
+        <p:cNvPr id="1" name=""/>
+        <p:cNvGrpSpPr/>
+        <p:nvPr/>
+      </p:nvGrpSpPr>
+      <p:grpSpPr>
+        <a:xfrm>
+          <a:off x="0" y="0"/>
+          <a:ext cx="0" cy="0"/>
+          <a:chOff x="0" y="0"/>
+          <a:chExt cx="0" cy="0"/>
+        </a:xfrm>
+      </p:grpSpPr>
+      <p:sp>
+        <p:nvSpPr>
+          <p:cNvPr id="2" name="Title 1"/>
+          <p:cNvSpPr>
+            <a:spLocks noGrp="1"/>
+          </p:cNvSpPr>
+          <p:nvPr>
+            <p:ph type="title"/>
+          </p:nvPr>
+        </p:nvSpPr>
+        <p:spPr/>
+        <p:txBody>
+          <a:bodyPr/>
+          <a:lstStyle/>
+          <a:p>
+            <a:r>
+              <a:rPr lang="en-SG" dirty="0"/>
+              <a:t>Invariant </a:t>
+            </a:r>
+            <a:r>
+              <a:rPr lang="en-SG" dirty="0" err="1"/>
+              <a:t>Spiraling</a:t>
+            </a:r>
+            <a:r>
+              <a:rPr lang="en-SG" dirty="0"/>
+              <a:t> </a:t>
+            </a:r>
+          </a:p>
+        </p:txBody>
+      </p:sp>
+      <p:sp>
+        <p:nvSpPr>
+          <p:cNvPr id="3" name="Content Placeholder 2"/>
+          <p:cNvSpPr>
+            <a:spLocks noGrp="1"/>
+          </p:cNvSpPr>
+          <p:nvPr>
+            <p:ph idx="1"/>
+          </p:nvPr>
+        </p:nvSpPr>
+        <p:spPr/>
+        <p:txBody>
+          <a:bodyPr/>
+          <a:lstStyle/>
+          <a:p>
+            <a:r>
+              <a:rPr lang="en-SG" dirty="0"/>
+              <a:t>A function is </a:t>
+            </a:r>
+            <a:r>
+              <a:rPr lang="en-SG" dirty="0">
+                <a:solidFill>
+                  <a:srgbClr val="FF0000"/>
+                </a:solidFill>
+              </a:rPr>
+              <a:t>invariant</a:t>
+            </a:r>
+            <a:r>
+              <a:rPr lang="en-SG" dirty="0"/>
+              <a:t> relative to an object’s state if the state of the object is the same before and after the function is invoked. </a:t>
+            </a:r>
+          </a:p>
+        </p:txBody>
+      </p:sp>
+      <p:pic>
+        <p:nvPicPr>
+          <p:cNvPr id="3074" name="Picture 2"/>
+          <p:cNvPicPr>
+            <a:picLocks noChangeAspect="1" noChangeArrowheads="1"/>
+          </p:cNvPicPr>
+          <p:nvPr/>
+        </p:nvPicPr>
+        <p:blipFill>
+          <a:blip r:embed="rId2">
+            <a:extLst>
+              <a:ext uri="{28A0092B-C50C-407E-A947-70E740481C1C}">
+                <a14:useLocalDpi xmlns:a14="http://schemas.microsoft.com/office/drawing/2010/main" val="0"/>
+              </a:ext>
+            </a:extLst>
+          </a:blip>
+          <a:srcRect/>
+          <a:stretch>
+            <a:fillRect/>
+          </a:stretch>
+        </p:blipFill>
+        <p:spPr bwMode="auto">
+          <a:xfrm>
+            <a:off x="1043608" y="3696742"/>
+            <a:ext cx="6637679" cy="1192708"/>
+          </a:xfrm>
+          <a:prstGeom prst="rect">
+            <a:avLst/>
+          </a:prstGeom>
+          <a:noFill/>
+          <a:ln>
+            <a:noFill/>
+          </a:ln>
+          <a:extLst>
+            <a:ext uri="{909E8E84-426E-40DD-AFC4-6F175D3DCCD1}">
+              <a14:hiddenFill xmlns:a14="http://schemas.microsoft.com/office/drawing/2010/main">
+                <a:solidFill>
+                  <a:schemeClr val="accent1"/>
+                </a:solidFill>
+              </a14:hiddenFill>
+            </a:ext>
+            <a:ext uri="{91240B29-F687-4F45-9708-019B960494DF}">
+              <a14:hiddenLine xmlns:a14="http://schemas.microsoft.com/office/drawing/2010/main" w="9525">
+                <a:solidFill>
+                  <a:schemeClr val="tx1"/>
+                </a:solidFill>
+                <a:miter lim="800000"/>
+                <a:headEnd/>
+                <a:tailEnd/>
+              </a14:hiddenLine>
+            </a:ext>
+          </a:extLst>
+        </p:spPr>
+      </p:pic>
+    </p:spTree>
+    <p:extLst>
+      <p:ext uri="{BB962C8B-B14F-4D97-AF65-F5344CB8AC3E}">
+        <p14:creationId xmlns:p14="http://schemas.microsoft.com/office/powerpoint/2010/main" val="3057671207"/>
+      </p:ext>
+    </p:extLst>
+  </p:cSld>
+  <p:clrMapOvr>
+    <a:masterClrMapping/>
+  </p:clrMapOvr>
+</p:sld>
+</file>
+
+<file path=ppt/slides/slide13.xml><?xml version="1.0" encoding="utf-8"?>
+<p:sld xmlns:a="http://schemas.openxmlformats.org/drawingml/2006/main" xmlns:r="http://schemas.openxmlformats.org/officeDocument/2006/relationships" xmlns:p="http://schemas.openxmlformats.org/presentationml/2006/main">
+  <p:cSld>
+    <p:spTree>
+      <p:nvGrpSpPr>
+        <p:cNvPr id="1" name=""/>
+        <p:cNvGrpSpPr/>
+        <p:nvPr/>
+      </p:nvGrpSpPr>
+      <p:grpSpPr>
+        <a:xfrm>
+          <a:off x="0" y="0"/>
+          <a:ext cx="0" cy="0"/>
+          <a:chOff x="0" y="0"/>
+          <a:chExt cx="0" cy="0"/>
+        </a:xfrm>
+      </p:grpSpPr>
+      <p:sp>
+        <p:nvSpPr>
+          <p:cNvPr id="3" name="Content Placeholder 2"/>
+          <p:cNvSpPr>
+            <a:spLocks noGrp="1"/>
+          </p:cNvSpPr>
+          <p:nvPr>
+            <p:ph idx="1"/>
+          </p:nvPr>
+        </p:nvSpPr>
+        <p:spPr/>
+        <p:txBody>
+          <a:bodyPr/>
+          <a:lstStyle/>
+          <a:p>
+            <a:endParaRPr lang="en-SG"/>
+          </a:p>
+        </p:txBody>
+      </p:sp>
+      <p:pic>
+        <p:nvPicPr>
+          <p:cNvPr id="2050" name="Picture 2"/>
+          <p:cNvPicPr>
+            <a:picLocks noChangeAspect="1" noChangeArrowheads="1"/>
+          </p:cNvPicPr>
+          <p:nvPr/>
+        </p:nvPicPr>
+        <p:blipFill>
+          <a:blip r:embed="rId2">
+            <a:extLst>
+              <a:ext uri="{28A0092B-C50C-407E-A947-70E740481C1C}">
+                <a14:useLocalDpi xmlns:a14="http://schemas.microsoft.com/office/drawing/2010/main" val="0"/>
+              </a:ext>
+            </a:extLst>
+          </a:blip>
+          <a:srcRect/>
+          <a:stretch>
+            <a:fillRect/>
+          </a:stretch>
+        </p:blipFill>
+        <p:spPr bwMode="auto">
+          <a:xfrm>
+            <a:off x="467544" y="423822"/>
+            <a:ext cx="7776864" cy="5957506"/>
+          </a:xfrm>
+          <a:prstGeom prst="rect">
+            <a:avLst/>
+          </a:prstGeom>
+          <a:noFill/>
+          <a:ln>
+            <a:noFill/>
+          </a:ln>
+          <a:extLst>
+            <a:ext uri="{909E8E84-426E-40DD-AFC4-6F175D3DCCD1}">
+              <a14:hiddenFill xmlns:a14="http://schemas.microsoft.com/office/drawing/2010/main">
+                <a:solidFill>
+                  <a:schemeClr val="accent1"/>
+                </a:solidFill>
+              </a14:hiddenFill>
+            </a:ext>
+            <a:ext uri="{91240B29-F687-4F45-9708-019B960494DF}">
+              <a14:hiddenLine xmlns:a14="http://schemas.microsoft.com/office/drawing/2010/main" w="9525">
+                <a:solidFill>
+                  <a:schemeClr val="tx1"/>
+                </a:solidFill>
+                <a:miter lim="800000"/>
+                <a:headEnd/>
+                <a:tailEnd/>
+              </a14:hiddenLine>
+            </a:ext>
+          </a:extLst>
+        </p:spPr>
+      </p:pic>
+      <p:sp>
+        <p:nvSpPr>
+          <p:cNvPr id="2" name="Title 1"/>
+          <p:cNvSpPr>
+            <a:spLocks noGrp="1"/>
+          </p:cNvSpPr>
+          <p:nvPr>
+            <p:ph type="title"/>
+          </p:nvPr>
+        </p:nvSpPr>
+        <p:spPr>
+          <a:xfrm>
+            <a:off x="0" y="0"/>
+            <a:ext cx="4114800" cy="1143000"/>
+          </a:xfrm>
+        </p:spPr>
+        <p:txBody>
+          <a:bodyPr>
+            <a:normAutofit/>
+          </a:bodyPr>
+          <a:lstStyle/>
+          <a:p>
+            <a:pPr algn="r"/>
+            <a:r>
+              <a:rPr lang="en-SG" dirty="0" err="1" smtClean="0"/>
+              <a:t>spiralBack</a:t>
+            </a:r>
+            <a:endParaRPr lang="en-SG" dirty="0"/>
+          </a:p>
+        </p:txBody>
+      </p:sp>
+    </p:spTree>
+    <p:extLst>
+      <p:ext uri="{BB962C8B-B14F-4D97-AF65-F5344CB8AC3E}">
+        <p14:creationId xmlns:p14="http://schemas.microsoft.com/office/powerpoint/2010/main" val="1023368019"/>
+      </p:ext>
+    </p:extLst>
+  </p:cSld>
+  <p:clrMapOvr>
+    <a:masterClrMapping/>
+  </p:clrMapOvr>
+</p:sld>
+</file>
+
+<file path=ppt/slides/slide14.xml><?xml version="1.0" encoding="utf-8"?>
+<p:sld xmlns:a="http://schemas.openxmlformats.org/drawingml/2006/main" xmlns:r="http://schemas.openxmlformats.org/officeDocument/2006/relationships" xmlns:p="http://schemas.openxmlformats.org/presentationml/2006/main">
+  <p:cSld>
+    <p:spTree>
+      <p:nvGrpSpPr>
+        <p:cNvPr id="1" name=""/>
+        <p:cNvGrpSpPr/>
+        <p:nvPr/>
+      </p:nvGrpSpPr>
+      <p:grpSpPr>
+        <a:xfrm>
+          <a:off x="0" y="0"/>
+          <a:ext cx="0" cy="0"/>
+          <a:chOff x="0" y="0"/>
+          <a:chExt cx="0" cy="0"/>
+        </a:xfrm>
+      </p:grpSpPr>
+      <p:sp>
+        <p:nvSpPr>
+          <p:cNvPr id="2" name="Title 1"/>
+          <p:cNvSpPr>
+            <a:spLocks noGrp="1"/>
+          </p:cNvSpPr>
+          <p:nvPr>
+            <p:ph type="title"/>
+          </p:nvPr>
+        </p:nvSpPr>
+        <p:spPr/>
+        <p:txBody>
+          <a:bodyPr/>
+          <a:lstStyle/>
+          <a:p>
+            <a:r>
+              <a:rPr lang="en-SG" dirty="0"/>
+              <a:t>Essence of Invariance</a:t>
+            </a:r>
+          </a:p>
+        </p:txBody>
+      </p:sp>
+      <p:pic>
+        <p:nvPicPr>
+          <p:cNvPr id="4098" name="Picture 2"/>
+          <p:cNvPicPr>
+            <a:picLocks noChangeAspect="1" noChangeArrowheads="1"/>
+          </p:cNvPicPr>
+          <p:nvPr/>
+        </p:nvPicPr>
+        <p:blipFill>
+          <a:blip r:embed="rId2">
+            <a:extLst>
+              <a:ext uri="{28A0092B-C50C-407E-A947-70E740481C1C}">
+                <a14:useLocalDpi xmlns:a14="http://schemas.microsoft.com/office/drawing/2010/main" val="0"/>
+              </a:ext>
+            </a:extLst>
+          </a:blip>
+          <a:srcRect/>
+          <a:stretch>
+            <a:fillRect/>
+          </a:stretch>
+        </p:blipFill>
+        <p:spPr bwMode="auto">
+          <a:xfrm>
+            <a:off x="1907704" y="1600870"/>
+            <a:ext cx="5676081" cy="4368862"/>
+          </a:xfrm>
+          <a:prstGeom prst="rect">
+            <a:avLst/>
+          </a:prstGeom>
+          <a:noFill/>
+          <a:ln>
+            <a:noFill/>
+          </a:ln>
+          <a:extLst>
+            <a:ext uri="{909E8E84-426E-40DD-AFC4-6F175D3DCCD1}">
+              <a14:hiddenFill xmlns:a14="http://schemas.microsoft.com/office/drawing/2010/main">
+                <a:solidFill>
+                  <a:schemeClr val="accent1"/>
+                </a:solidFill>
+              </a14:hiddenFill>
+            </a:ext>
+            <a:ext uri="{91240B29-F687-4F45-9708-019B960494DF}">
+              <a14:hiddenLine xmlns:a14="http://schemas.microsoft.com/office/drawing/2010/main" w="9525">
+                <a:solidFill>
+                  <a:schemeClr val="tx1"/>
+                </a:solidFill>
+                <a:miter lim="800000"/>
+                <a:headEnd/>
+                <a:tailEnd/>
+              </a14:hiddenLine>
+            </a:ext>
+          </a:extLst>
+        </p:spPr>
+      </p:pic>
+    </p:spTree>
+    <p:extLst>
+      <p:ext uri="{BB962C8B-B14F-4D97-AF65-F5344CB8AC3E}">
+        <p14:creationId xmlns:p14="http://schemas.microsoft.com/office/powerpoint/2010/main" val="2226159258"/>
+      </p:ext>
+    </p:extLst>
+  </p:cSld>
+  <p:clrMapOvr>
+    <a:masterClrMapping/>
+  </p:clrMapOvr>
 </p:sld>
 </file>
 
